--- a/pandas/WWCD_Pandas.pptx
+++ b/pandas/WWCD_Pandas.pptx
@@ -1,6 +1,6 @@
 
 <file path=ppt/presentation.xml><?xml version="1.0" encoding="utf-8"?>
-<p:presentation xmlns:a="http://schemas.openxmlformats.org/drawingml/2006/main" xmlns:r="http://schemas.openxmlformats.org/officeDocument/2006/relationships" xmlns:p="http://schemas.openxmlformats.org/presentationml/2006/main" strictFirstAndLastChars="0" embedTrueTypeFonts="1" saveSubsetFonts="1" autoCompressPictures="0">
+<p:presentation xmlns:a="http://schemas.openxmlformats.org/drawingml/2006/main" xmlns:r="http://schemas.openxmlformats.org/officeDocument/2006/relationships" xmlns:p="http://schemas.openxmlformats.org/presentationml/2006/main" strictFirstAndLastChars="0" saveSubsetFonts="1" autoCompressPictures="0">
   <p:sldMasterIdLst>
     <p:sldMasterId id="2147483659" r:id="rId1"/>
   </p:sldMasterIdLst>
@@ -18,18 +18,6 @@
   </p:sldIdLst>
   <p:sldSz cx="9144000" cy="5143500" type="screen16x9"/>
   <p:notesSz cx="6858000" cy="9144000"/>
-  <p:embeddedFontLst>
-    <p:embeddedFont>
-      <p:font typeface="Amatic SC"/>
-      <p:regular r:id="rId10"/>
-      <p:bold r:id="rId11"/>
-    </p:embeddedFont>
-    <p:embeddedFont>
-      <p:font typeface="Source Code Pro"/>
-      <p:regular r:id="rId12"/>
-      <p:bold r:id="rId13"/>
-    </p:embeddedFont>
-  </p:embeddedFontLst>
   <p:defaultTextStyle>
     <a:defPPr marR="0" lvl="0" algn="l" rtl="0">
       <a:lnSpc>
@@ -954,7 +942,7 @@
         </p:nvSpPr>
         <p:spPr>
           <a:xfrm>
-            <a:off x="381300" y="685800"/>
+            <a:off x="381000" y="685800"/>
             <a:ext cx="6096000" cy="3429000"/>
           </a:xfrm>
           <a:custGeom>
@@ -1058,7 +1046,7 @@
         </p:nvSpPr>
         <p:spPr>
           <a:xfrm>
-            <a:off x="381300" y="685800"/>
+            <a:off x="381000" y="685800"/>
             <a:ext cx="6096000" cy="3429000"/>
           </a:xfrm>
           <a:custGeom>
@@ -1121,7 +1109,51 @@
               </a:spcAft>
               <a:buNone/>
             </a:pPr>
-            <a:endParaRPr/>
+            <a:r>
+              <a:rPr lang="en-US" dirty="0" smtClean="0"/>
+              <a:t>https://</a:t>
+            </a:r>
+            <a:r>
+              <a:rPr lang="en-US" dirty="0" err="1" smtClean="0"/>
+              <a:t>github.com</a:t>
+            </a:r>
+            <a:r>
+              <a:rPr lang="en-US" dirty="0" smtClean="0"/>
+              <a:t>/</a:t>
+            </a:r>
+            <a:r>
+              <a:rPr lang="en-US" dirty="0" err="1" smtClean="0"/>
+              <a:t>lukaszkm</a:t>
+            </a:r>
+            <a:r>
+              <a:rPr lang="en-US" dirty="0" smtClean="0"/>
+              <a:t>/</a:t>
+            </a:r>
+            <a:r>
+              <a:rPr lang="en-US" dirty="0" err="1" smtClean="0"/>
+              <a:t>machinelearningexp</a:t>
+            </a:r>
+            <a:r>
+              <a:rPr lang="en-US" dirty="0" smtClean="0"/>
+              <a:t>/blob/master/</a:t>
+            </a:r>
+            <a:r>
+              <a:rPr lang="en-US" dirty="0" err="1" smtClean="0"/>
+              <a:t>DataScience_Performance_Python_Pandas_Numpy.ipynb</a:t>
+            </a:r>
+            <a:endParaRPr lang="en-US" dirty="0" smtClean="0"/>
+          </a:p>
+          <a:p>
+            <a:pPr marL="0" lvl="0" indent="0" rtl="0">
+              <a:spcBef>
+                <a:spcPts val="0"/>
+              </a:spcBef>
+              <a:spcAft>
+                <a:spcPts val="0"/>
+              </a:spcAft>
+              <a:buNone/>
+            </a:pPr>
+            <a:endParaRPr dirty="0"/>
           </a:p>
         </p:txBody>
       </p:sp>
@@ -1329,7 +1361,19 @@
               </a:spcAft>
               <a:buNone/>
             </a:pPr>
-            <a:endParaRPr/>
+            <a:r>
+              <a:rPr lang="en-US" dirty="0" smtClean="0"/>
+              <a:t>http://</a:t>
+            </a:r>
+            <a:r>
+              <a:rPr lang="en-US" dirty="0" err="1" smtClean="0"/>
+              <a:t>bit.ly</a:t>
+            </a:r>
+            <a:r>
+              <a:rPr lang="en-US" dirty="0" smtClean="0"/>
+              <a:t>/2wU850i</a:t>
+            </a:r>
+            <a:endParaRPr dirty="0"/>
           </a:p>
         </p:txBody>
       </p:sp>
@@ -7487,7 +7531,7 @@
               <a:buNone/>
             </a:pPr>
             <a:r>
-              <a:rPr lang="en">
+              <a:rPr lang="en" dirty="0">
                 <a:latin typeface="Source Code Pro"/>
                 <a:ea typeface="Source Code Pro"/>
                 <a:cs typeface="Source Code Pro"/>
@@ -7495,7 +7539,7 @@
               </a:rPr>
               <a:t>Matrix - are 2D arrays together of same data types</a:t>
             </a:r>
-            <a:endParaRPr>
+            <a:endParaRPr dirty="0">
               <a:latin typeface="Source Code Pro"/>
               <a:ea typeface="Source Code Pro"/>
               <a:cs typeface="Source Code Pro"/>
@@ -7512,7 +7556,7 @@
               </a:spcAft>
               <a:buNone/>
             </a:pPr>
-            <a:endParaRPr>
+            <a:endParaRPr dirty="0">
               <a:latin typeface="Source Code Pro"/>
               <a:ea typeface="Source Code Pro"/>
               <a:cs typeface="Source Code Pro"/>
@@ -7529,7 +7573,7 @@
               </a:spcAft>
               <a:buNone/>
             </a:pPr>
-            <a:endParaRPr>
+            <a:endParaRPr dirty="0">
               <a:latin typeface="Source Code Pro"/>
               <a:ea typeface="Source Code Pro"/>
               <a:cs typeface="Source Code Pro"/>
@@ -7547,15 +7591,51 @@
               <a:buNone/>
             </a:pPr>
             <a:r>
-              <a:rPr lang="en">
+              <a:rPr lang="en" dirty="0" err="1">
                 <a:latin typeface="Source Code Pro"/>
                 <a:ea typeface="Source Code Pro"/>
                 <a:cs typeface="Source Code Pro"/>
                 <a:sym typeface="Source Code Pro"/>
               </a:rPr>
-              <a:t>DataFrame - Two-dimensional size-mutable, potentially heterogeneous tabular data structure with labeled axes (rows and columns). </a:t>
+              <a:t>DataFrame</a:t>
             </a:r>
-            <a:endParaRPr>
+            <a:r>
+              <a:rPr lang="en" dirty="0">
+                <a:latin typeface="Source Code Pro"/>
+                <a:ea typeface="Source Code Pro"/>
+                <a:cs typeface="Source Code Pro"/>
+                <a:sym typeface="Source Code Pro"/>
+              </a:rPr>
+              <a:t> - </a:t>
+            </a:r>
+            <a:r>
+              <a:rPr lang="en-US" dirty="0" smtClean="0">
+                <a:latin typeface="Source Code Pro"/>
+                <a:ea typeface="Source Code Pro"/>
+                <a:cs typeface="Source Code Pro"/>
+                <a:sym typeface="Source Code Pro"/>
+              </a:rPr>
+              <a:t>2D</a:t>
+            </a:r>
+            <a:r>
+              <a:rPr lang="en" dirty="0" smtClean="0">
+                <a:latin typeface="Source Code Pro"/>
+                <a:ea typeface="Source Code Pro"/>
+                <a:cs typeface="Source Code Pro"/>
+                <a:sym typeface="Source Code Pro"/>
+              </a:rPr>
+              <a:t>, </a:t>
+            </a:r>
+            <a:r>
+              <a:rPr lang="en" dirty="0">
+                <a:latin typeface="Source Code Pro"/>
+                <a:ea typeface="Source Code Pro"/>
+                <a:cs typeface="Source Code Pro"/>
+                <a:sym typeface="Source Code Pro"/>
+              </a:rPr>
+              <a:t>potentially heterogeneous tabular data structure with labeled axes (rows and columns). </a:t>
+            </a:r>
+            <a:endParaRPr dirty="0">
               <a:latin typeface="Source Code Pro"/>
               <a:ea typeface="Source Code Pro"/>
               <a:cs typeface="Source Code Pro"/>
@@ -7572,7 +7652,7 @@
               </a:spcAft>
               <a:buNone/>
             </a:pPr>
-            <a:endParaRPr>
+            <a:endParaRPr dirty="0">
               <a:latin typeface="Source Code Pro"/>
               <a:ea typeface="Source Code Pro"/>
               <a:cs typeface="Source Code Pro"/>
@@ -7589,7 +7669,7 @@
               </a:spcAft>
               <a:buNone/>
             </a:pPr>
-            <a:endParaRPr>
+            <a:endParaRPr dirty="0">
               <a:latin typeface="Source Code Pro"/>
               <a:ea typeface="Source Code Pro"/>
               <a:cs typeface="Source Code Pro"/>
@@ -7606,7 +7686,7 @@
               </a:spcAft>
               <a:buNone/>
             </a:pPr>
-            <a:endParaRPr>
+            <a:endParaRPr dirty="0">
               <a:latin typeface="Source Code Pro"/>
               <a:ea typeface="Source Code Pro"/>
               <a:cs typeface="Source Code Pro"/>
@@ -7624,7 +7704,7 @@
               <a:buNone/>
             </a:pPr>
             <a:r>
-              <a:rPr lang="en">
+              <a:rPr lang="en" dirty="0">
                 <a:latin typeface="Source Code Pro"/>
                 <a:ea typeface="Source Code Pro"/>
                 <a:cs typeface="Source Code Pro"/>
@@ -7632,7 +7712,7 @@
               </a:rPr>
               <a:t>Now what if Column 1 was string versus integers?</a:t>
             </a:r>
-            <a:endParaRPr/>
+            <a:endParaRPr dirty="0"/>
           </a:p>
         </p:txBody>
       </p:sp>
@@ -7799,8 +7879,8 @@
         </p:nvSpPr>
         <p:spPr>
           <a:xfrm>
-            <a:off x="4572000" y="170950"/>
-            <a:ext cx="4338900" cy="3270600"/>
+            <a:off x="5160474" y="170950"/>
+            <a:ext cx="3750425" cy="3270600"/>
           </a:xfrm>
           <a:prstGeom prst="rect">
             <a:avLst/>
@@ -7825,7 +7905,7 @@
               </a:spcAft>
               <a:buNone/>
             </a:pPr>
-            <a:endParaRPr sz="2400">
+            <a:endParaRPr sz="2400" dirty="0">
               <a:latin typeface="Source Code Pro"/>
               <a:ea typeface="Source Code Pro"/>
               <a:cs typeface="Source Code Pro"/>
@@ -7843,15 +7923,42 @@
               <a:buNone/>
             </a:pPr>
             <a:r>
-              <a:rPr lang="en" sz="2400">
+              <a:rPr lang="en" sz="2400" dirty="0">
                 <a:latin typeface="Source Code Pro"/>
                 <a:ea typeface="Source Code Pro"/>
                 <a:cs typeface="Source Code Pro"/>
                 <a:sym typeface="Source Code Pro"/>
               </a:rPr>
-              <a:t>Pandas is built on top of Numpy, but Pandas is more sophisticated in terms of data manipulation / indexing of objects called Series.</a:t>
+              <a:t>Pandas is built on top of </a:t>
             </a:r>
-            <a:endParaRPr sz="2400">
+            <a:r>
+              <a:rPr lang="en" sz="2400" dirty="0" err="1">
+                <a:latin typeface="Source Code Pro"/>
+                <a:ea typeface="Source Code Pro"/>
+                <a:cs typeface="Source Code Pro"/>
+                <a:sym typeface="Source Code Pro"/>
+              </a:rPr>
+              <a:t>Numpy</a:t>
+            </a:r>
+            <a:r>
+              <a:rPr lang="en" sz="2400" dirty="0">
+                <a:latin typeface="Source Code Pro"/>
+                <a:ea typeface="Source Code Pro"/>
+                <a:cs typeface="Source Code Pro"/>
+                <a:sym typeface="Source Code Pro"/>
+              </a:rPr>
+              <a:t>, but Pandas is more sophisticated in terms of data </a:t>
+            </a:r>
+            <a:r>
+              <a:rPr lang="en" sz="2400" dirty="0" smtClean="0">
+                <a:latin typeface="Source Code Pro"/>
+                <a:ea typeface="Source Code Pro"/>
+                <a:cs typeface="Source Code Pro"/>
+                <a:sym typeface="Source Code Pro"/>
+              </a:rPr>
+              <a:t>manipulation</a:t>
+            </a:r>
+            <a:endParaRPr lang="en-US" sz="2400" dirty="0" smtClean="0">
               <a:latin typeface="Source Code Pro"/>
               <a:ea typeface="Source Code Pro"/>
               <a:cs typeface="Source Code Pro"/>
@@ -7868,7 +7975,7 @@
               </a:spcAft>
               <a:buNone/>
             </a:pPr>
-            <a:endParaRPr sz="2400">
+            <a:endParaRPr sz="2400" dirty="0">
               <a:latin typeface="Source Code Pro"/>
               <a:ea typeface="Source Code Pro"/>
               <a:cs typeface="Source Code Pro"/>
@@ -7894,15 +8001,42 @@
               <a:buChar char="●"/>
             </a:pPr>
             <a:r>
-              <a:rPr lang="en">
+              <a:rPr lang="en" dirty="0" err="1">
                 <a:latin typeface="Source Code Pro"/>
                 <a:ea typeface="Source Code Pro"/>
                 <a:cs typeface="Source Code Pro"/>
                 <a:sym typeface="Source Code Pro"/>
               </a:rPr>
-              <a:t>numpy consumes (roughtly 1/3) less memory compared to pandas</a:t>
+              <a:t>numpy</a:t>
             </a:r>
-            <a:endParaRPr>
+            <a:r>
+              <a:rPr lang="en" dirty="0">
+                <a:latin typeface="Source Code Pro"/>
+                <a:ea typeface="Source Code Pro"/>
+                <a:cs typeface="Source Code Pro"/>
+                <a:sym typeface="Source Code Pro"/>
+              </a:rPr>
+              <a:t> consumes (</a:t>
+            </a:r>
+            <a:r>
+              <a:rPr lang="en" dirty="0" err="1">
+                <a:latin typeface="Source Code Pro"/>
+                <a:ea typeface="Source Code Pro"/>
+                <a:cs typeface="Source Code Pro"/>
+                <a:sym typeface="Source Code Pro"/>
+              </a:rPr>
+              <a:t>roughtly</a:t>
+            </a:r>
+            <a:r>
+              <a:rPr lang="en" dirty="0">
+                <a:latin typeface="Source Code Pro"/>
+                <a:ea typeface="Source Code Pro"/>
+                <a:cs typeface="Source Code Pro"/>
+                <a:sym typeface="Source Code Pro"/>
+              </a:rPr>
+              <a:t> 1/3) less memory compared to pandas</a:t>
+            </a:r>
+            <a:endParaRPr dirty="0">
               <a:latin typeface="Source Code Pro"/>
               <a:ea typeface="Source Code Pro"/>
               <a:cs typeface="Source Code Pro"/>
@@ -7928,15 +8062,24 @@
               <a:buChar char="●"/>
             </a:pPr>
             <a:r>
-              <a:rPr lang="en">
+              <a:rPr lang="en" dirty="0" err="1">
                 <a:latin typeface="Source Code Pro"/>
                 <a:ea typeface="Source Code Pro"/>
                 <a:cs typeface="Source Code Pro"/>
                 <a:sym typeface="Source Code Pro"/>
               </a:rPr>
-              <a:t>numpy generally performs better than pandas for 50K rows or less</a:t>
+              <a:t>numpy</a:t>
             </a:r>
-            <a:endParaRPr>
+            <a:r>
+              <a:rPr lang="en" dirty="0">
+                <a:latin typeface="Source Code Pro"/>
+                <a:ea typeface="Source Code Pro"/>
+                <a:cs typeface="Source Code Pro"/>
+                <a:sym typeface="Source Code Pro"/>
+              </a:rPr>
+              <a:t> generally performs better than pandas for 50K rows or less</a:t>
+            </a:r>
+            <a:endParaRPr dirty="0">
               <a:latin typeface="Source Code Pro"/>
               <a:ea typeface="Source Code Pro"/>
               <a:cs typeface="Source Code Pro"/>
@@ -7962,7 +8105,7 @@
               <a:buChar char="●"/>
             </a:pPr>
             <a:r>
-              <a:rPr lang="en" u="sng">
+              <a:rPr lang="en" u="sng" dirty="0">
                 <a:solidFill>
                   <a:schemeClr val="hlink"/>
                 </a:solidFill>
@@ -7974,7 +8117,7 @@
               </a:rPr>
               <a:t>pandas generally performs better than numpy for 100K rows or more</a:t>
             </a:r>
-            <a:endParaRPr>
+            <a:endParaRPr dirty="0">
               <a:latin typeface="Source Code Pro"/>
               <a:ea typeface="Source Code Pro"/>
               <a:cs typeface="Source Code Pro"/>
@@ -7991,7 +8134,7 @@
               </a:spcAft>
               <a:buNone/>
             </a:pPr>
-            <a:endParaRPr>
+            <a:endParaRPr dirty="0">
               <a:latin typeface="Source Code Pro"/>
               <a:ea typeface="Source Code Pro"/>
               <a:cs typeface="Source Code Pro"/>
@@ -8422,26 +8565,30 @@
           </a:bodyPr>
           <a:lstStyle/>
           <a:p>
-            <a:pPr marL="0" lvl="0" indent="0" rtl="0">
-              <a:spcBef>
-                <a:spcPts val="0"/>
-              </a:spcBef>
-              <a:spcAft>
-                <a:spcPts val="0"/>
-              </a:spcAft>
-              <a:buNone/>
-            </a:pPr>
+            <a:pPr lvl="0"/>
             <a:r>
-              <a:rPr lang="en" sz="2800" b="0" dirty="0">
+              <a:rPr lang="en-US" dirty="0">
                 <a:solidFill>
                   <a:schemeClr val="bg1"/>
                 </a:solidFill>
-                <a:latin typeface="Arial"/>
-                <a:ea typeface="Arial"/>
-                <a:cs typeface="Arial"/>
-                <a:sym typeface="Arial"/>
               </a:rPr>
-              <a:t>BITLY</a:t>
+              <a:t>http://</a:t>
+            </a:r>
+            <a:r>
+              <a:rPr lang="en-US" dirty="0" err="1">
+                <a:solidFill>
+                  <a:schemeClr val="bg1"/>
+                </a:solidFill>
+              </a:rPr>
+              <a:t>bit.ly</a:t>
+            </a:r>
+            <a:r>
+              <a:rPr lang="en-US" dirty="0">
+                <a:solidFill>
+                  <a:schemeClr val="bg1"/>
+                </a:solidFill>
+              </a:rPr>
+              <a:t>/2wU850i</a:t>
             </a:r>
             <a:endParaRPr dirty="0">
               <a:solidFill>
@@ -8456,7 +8603,7 @@
           <p:cNvPr id="2" name="Text Placeholder 1">
             <a:extLst>
               <a:ext uri="{FF2B5EF4-FFF2-40B4-BE49-F238E27FC236}">
-                <a16:creationId xmlns:a16="http://schemas.microsoft.com/office/drawing/2014/main" id="{BD9072D3-C240-3340-99A6-672AF2D77FEE}"/>
+                <a16:creationId xmlns:a16="http://schemas.microsoft.com/office/drawing/2014/main" xmlns="" id="{BD9072D3-C240-3340-99A6-672AF2D77FEE}"/>
               </a:ext>
             </a:extLst>
           </p:cNvPr>
@@ -8883,8 +9030,8 @@
         </p:nvSpPr>
         <p:spPr>
           <a:xfrm>
-            <a:off x="5288975" y="134450"/>
-            <a:ext cx="3999900" cy="3340200"/>
+            <a:off x="6329855" y="134450"/>
+            <a:ext cx="2959020" cy="3340200"/>
           </a:xfrm>
           <a:prstGeom prst="rect">
             <a:avLst/>
@@ -8906,7 +9053,7 @@
               <a:buNone/>
             </a:pPr>
             <a:r>
-              <a:rPr lang="en" sz="2400" b="1">
+              <a:rPr lang="en" sz="2400" b="1" dirty="0">
                 <a:solidFill>
                   <a:srgbClr val="000000"/>
                 </a:solidFill>
@@ -8917,7 +9064,7 @@
               </a:rPr>
               <a:t>ONLINE:</a:t>
             </a:r>
-            <a:endParaRPr sz="2400" b="1">
+            <a:endParaRPr sz="2400" b="1" dirty="0">
               <a:solidFill>
                 <a:srgbClr val="000000"/>
               </a:solidFill>
@@ -8941,7 +9088,7 @@
               <a:buNone/>
             </a:pPr>
             <a:r>
-              <a:rPr lang="en" sz="1800" b="1">
+              <a:rPr lang="en" sz="1800" b="1" dirty="0">
                 <a:solidFill>
                   <a:srgbClr val="000000"/>
                 </a:solidFill>
@@ -8952,7 +9099,7 @@
               </a:rPr>
               <a:t>●Coursera</a:t>
             </a:r>
-            <a:endParaRPr sz="1800" b="1">
+            <a:endParaRPr sz="1800" b="1" dirty="0">
               <a:solidFill>
                 <a:srgbClr val="000000"/>
               </a:solidFill>
@@ -8976,7 +9123,7 @@
               <a:buNone/>
             </a:pPr>
             <a:r>
-              <a:rPr lang="en" sz="1800" b="1">
+              <a:rPr lang="en" sz="1800" b="1" dirty="0">
                 <a:solidFill>
                   <a:srgbClr val="000000"/>
                 </a:solidFill>
@@ -8985,9 +9132,21 @@
                 <a:cs typeface="Amatic SC"/>
                 <a:sym typeface="Amatic SC"/>
               </a:rPr>
-              <a:t>●HackerRank</a:t>
+              <a:t>●</a:t>
             </a:r>
-            <a:endParaRPr sz="1800" b="1">
+            <a:r>
+              <a:rPr lang="en" sz="1800" b="1" dirty="0" err="1">
+                <a:solidFill>
+                  <a:srgbClr val="000000"/>
+                </a:solidFill>
+                <a:latin typeface="Amatic SC"/>
+                <a:ea typeface="Amatic SC"/>
+                <a:cs typeface="Amatic SC"/>
+                <a:sym typeface="Amatic SC"/>
+              </a:rPr>
+              <a:t>HackerRank</a:t>
+            </a:r>
+            <a:endParaRPr sz="1800" b="1" dirty="0">
               <a:solidFill>
                 <a:srgbClr val="000000"/>
               </a:solidFill>
@@ -9011,7 +9170,7 @@
               <a:buNone/>
             </a:pPr>
             <a:r>
-              <a:rPr lang="en" sz="1800" b="1">
+              <a:rPr lang="en" sz="1800" b="1" dirty="0">
                 <a:solidFill>
                   <a:srgbClr val="000000"/>
                 </a:solidFill>
@@ -9020,9 +9179,21 @@
                 <a:cs typeface="Amatic SC"/>
                 <a:sym typeface="Amatic SC"/>
               </a:rPr>
-              <a:t>●StackOverflow</a:t>
+              <a:t>●</a:t>
             </a:r>
-            <a:endParaRPr sz="1800" b="1">
+            <a:r>
+              <a:rPr lang="en" sz="1800" b="1" dirty="0" err="1">
+                <a:solidFill>
+                  <a:srgbClr val="000000"/>
+                </a:solidFill>
+                <a:latin typeface="Amatic SC"/>
+                <a:ea typeface="Amatic SC"/>
+                <a:cs typeface="Amatic SC"/>
+                <a:sym typeface="Amatic SC"/>
+              </a:rPr>
+              <a:t>StackOverflow</a:t>
+            </a:r>
+            <a:endParaRPr sz="1800" b="1" dirty="0">
               <a:solidFill>
                 <a:srgbClr val="000000"/>
               </a:solidFill>
@@ -9046,7 +9217,7 @@
               <a:buNone/>
             </a:pPr>
             <a:r>
-              <a:rPr lang="en" sz="1800" b="1">
+              <a:rPr lang="en" sz="1800" b="1" dirty="0">
                 <a:solidFill>
                   <a:srgbClr val="000000"/>
                 </a:solidFill>
@@ -9057,7 +9228,7 @@
               </a:rPr>
               <a:t>●Slack</a:t>
             </a:r>
-            <a:endParaRPr sz="1800" b="1">
+            <a:endParaRPr sz="1800" b="1" dirty="0">
               <a:solidFill>
                 <a:srgbClr val="000000"/>
               </a:solidFill>
@@ -9081,7 +9252,7 @@
               <a:buNone/>
             </a:pPr>
             <a:r>
-              <a:rPr lang="en" sz="1800" b="1">
+              <a:rPr lang="en" sz="1800" b="1" dirty="0">
                 <a:solidFill>
                   <a:srgbClr val="000000"/>
                 </a:solidFill>
@@ -9090,9 +9261,21 @@
                 <a:cs typeface="Amatic SC"/>
                 <a:sym typeface="Amatic SC"/>
               </a:rPr>
-              <a:t>●CodeCombat</a:t>
+              <a:t>●</a:t>
             </a:r>
-            <a:endParaRPr sz="1800" b="1">
+            <a:r>
+              <a:rPr lang="en" sz="1800" b="1" dirty="0" err="1">
+                <a:solidFill>
+                  <a:srgbClr val="000000"/>
+                </a:solidFill>
+                <a:latin typeface="Amatic SC"/>
+                <a:ea typeface="Amatic SC"/>
+                <a:cs typeface="Amatic SC"/>
+                <a:sym typeface="Amatic SC"/>
+              </a:rPr>
+              <a:t>CodeCombat</a:t>
+            </a:r>
+            <a:endParaRPr sz="1800" b="1" dirty="0">
               <a:solidFill>
                 <a:srgbClr val="000000"/>
               </a:solidFill>
@@ -9116,7 +9299,7 @@
               <a:buNone/>
             </a:pPr>
             <a:r>
-              <a:rPr lang="en" sz="1800" b="1">
+              <a:rPr lang="en" sz="1800" b="1" dirty="0">
                 <a:solidFill>
                   <a:srgbClr val="000000"/>
                 </a:solidFill>
@@ -9127,7 +9310,7 @@
               </a:rPr>
               <a:t>●GitHub</a:t>
             </a:r>
-            <a:endParaRPr sz="1800" b="1">
+            <a:endParaRPr sz="1800" b="1" dirty="0">
               <a:solidFill>
                 <a:srgbClr val="000000"/>
               </a:solidFill>
@@ -9151,7 +9334,7 @@
               <a:buNone/>
             </a:pPr>
             <a:r>
-              <a:rPr lang="en" sz="1800" b="1">
+              <a:rPr lang="en" sz="1800" b="1" dirty="0">
                 <a:solidFill>
                   <a:srgbClr val="000000"/>
                 </a:solidFill>
@@ -9160,9 +9343,21 @@
                 <a:cs typeface="Amatic SC"/>
                 <a:sym typeface="Amatic SC"/>
               </a:rPr>
-              <a:t>●Kaggle</a:t>
+              <a:t>●</a:t>
             </a:r>
-            <a:endParaRPr sz="1800" b="1">
+            <a:r>
+              <a:rPr lang="en" sz="1800" b="1" dirty="0" err="1">
+                <a:solidFill>
+                  <a:srgbClr val="000000"/>
+                </a:solidFill>
+                <a:latin typeface="Amatic SC"/>
+                <a:ea typeface="Amatic SC"/>
+                <a:cs typeface="Amatic SC"/>
+                <a:sym typeface="Amatic SC"/>
+              </a:rPr>
+              <a:t>Kaggle</a:t>
+            </a:r>
+            <a:endParaRPr sz="1800" b="1" dirty="0">
               <a:solidFill>
                 <a:srgbClr val="000000"/>
               </a:solidFill>
@@ -9186,7 +9381,7 @@
               <a:buNone/>
             </a:pPr>
             <a:r>
-              <a:rPr lang="en" sz="1800" b="1">
+              <a:rPr lang="en" sz="1800" b="1" dirty="0">
                 <a:solidFill>
                   <a:srgbClr val="000000"/>
                 </a:solidFill>
@@ -9195,9 +9390,21 @@
                 <a:cs typeface="Amatic SC"/>
                 <a:sym typeface="Amatic SC"/>
               </a:rPr>
-              <a:t>●EDX by microsoft</a:t>
+              <a:t>●EDX by </a:t>
             </a:r>
-            <a:endParaRPr sz="1800" b="1">
+            <a:r>
+              <a:rPr lang="en" sz="1800" b="1" dirty="0" err="1">
+                <a:solidFill>
+                  <a:srgbClr val="000000"/>
+                </a:solidFill>
+                <a:latin typeface="Amatic SC"/>
+                <a:ea typeface="Amatic SC"/>
+                <a:cs typeface="Amatic SC"/>
+                <a:sym typeface="Amatic SC"/>
+              </a:rPr>
+              <a:t>microsoft</a:t>
+            </a:r>
+            <a:endParaRPr sz="1800" b="1" dirty="0">
               <a:solidFill>
                 <a:srgbClr val="000000"/>
               </a:solidFill>
@@ -9221,7 +9428,7 @@
               <a:buNone/>
             </a:pPr>
             <a:r>
-              <a:rPr lang="en" sz="1800" b="1">
+              <a:rPr lang="en" sz="1800" b="1" dirty="0">
                 <a:solidFill>
                   <a:srgbClr val="000000"/>
                 </a:solidFill>
@@ -9232,7 +9439,7 @@
               </a:rPr>
               <a:t>●How to Think Like a Computer Scientist - PDF</a:t>
             </a:r>
-            <a:endParaRPr sz="1800" b="1">
+            <a:endParaRPr sz="1800" b="1" dirty="0">
               <a:solidFill>
                 <a:srgbClr val="000000"/>
               </a:solidFill>
@@ -9256,7 +9463,7 @@
               <a:buNone/>
             </a:pPr>
             <a:r>
-              <a:rPr lang="en" sz="1800" b="1">
+              <a:rPr lang="en" sz="1800" b="1" dirty="0">
                 <a:solidFill>
                   <a:srgbClr val="000000"/>
                 </a:solidFill>
@@ -9267,7 +9474,7 @@
               </a:rPr>
               <a:t>●Learn Python the Hard Way</a:t>
             </a:r>
-            <a:endParaRPr sz="1800" b="1">
+            <a:endParaRPr sz="1800" b="1" dirty="0">
               <a:solidFill>
                 <a:srgbClr val="000000"/>
               </a:solidFill>
@@ -9291,7 +9498,7 @@
               <a:buNone/>
             </a:pPr>
             <a:r>
-              <a:rPr lang="en" sz="1800" b="1">
+              <a:rPr lang="en" sz="1800" b="1" dirty="0">
                 <a:solidFill>
                   <a:srgbClr val="000000"/>
                 </a:solidFill>
@@ -9302,7 +9509,7 @@
               </a:rPr>
               <a:t>●Data Camp</a:t>
             </a:r>
-            <a:endParaRPr sz="1800"/>
+            <a:endParaRPr sz="1800" dirty="0"/>
           </a:p>
         </p:txBody>
       </p:sp>
